--- a/Presentations/Sound - Oct 23.pptx
+++ b/Presentations/Sound - Oct 23.pptx
@@ -114,6 +114,11 @@
       </a:defRPr>
     </a:lvl9pPr>
   </p:defaultTextStyle>
+  <p:extLst>
+    <p:ext uri="{EFAFB233-063F-42B5-8137-9DF3F51BA10A}">
+      <p15:sldGuideLst xmlns:p15="http://schemas.microsoft.com/office/powerpoint/2012/main"/>
+    </p:ext>
+  </p:extLst>
 </p:presentation>
 </file>
 
@@ -248,7 +253,7 @@
           <a:p>
             <a:fld id="{4C946553-5052-4681-97F3-74C46FAC759A}" type="datetimeFigureOut">
               <a:rPr lang="en-US" smtClean="0"/>
-              <a:t>10/20/2017</a:t>
+              <a:t>10/23/17</a:t>
             </a:fld>
             <a:endParaRPr lang="en-US"/>
           </a:p>
@@ -418,7 +423,7 @@
           <a:p>
             <a:fld id="{4C946553-5052-4681-97F3-74C46FAC759A}" type="datetimeFigureOut">
               <a:rPr lang="en-US" smtClean="0"/>
-              <a:t>10/20/2017</a:t>
+              <a:t>10/23/17</a:t>
             </a:fld>
             <a:endParaRPr lang="en-US"/>
           </a:p>
@@ -598,7 +603,7 @@
           <a:p>
             <a:fld id="{4C946553-5052-4681-97F3-74C46FAC759A}" type="datetimeFigureOut">
               <a:rPr lang="en-US" smtClean="0"/>
-              <a:t>10/20/2017</a:t>
+              <a:t>10/23/17</a:t>
             </a:fld>
             <a:endParaRPr lang="en-US"/>
           </a:p>
@@ -768,7 +773,7 @@
           <a:p>
             <a:fld id="{4C946553-5052-4681-97F3-74C46FAC759A}" type="datetimeFigureOut">
               <a:rPr lang="en-US" smtClean="0"/>
-              <a:t>10/20/2017</a:t>
+              <a:t>10/23/17</a:t>
             </a:fld>
             <a:endParaRPr lang="en-US"/>
           </a:p>
@@ -1014,7 +1019,7 @@
           <a:p>
             <a:fld id="{4C946553-5052-4681-97F3-74C46FAC759A}" type="datetimeFigureOut">
               <a:rPr lang="en-US" smtClean="0"/>
-              <a:t>10/20/2017</a:t>
+              <a:t>10/23/17</a:t>
             </a:fld>
             <a:endParaRPr lang="en-US"/>
           </a:p>
@@ -1246,7 +1251,7 @@
           <a:p>
             <a:fld id="{4C946553-5052-4681-97F3-74C46FAC759A}" type="datetimeFigureOut">
               <a:rPr lang="en-US" smtClean="0"/>
-              <a:t>10/20/2017</a:t>
+              <a:t>10/23/17</a:t>
             </a:fld>
             <a:endParaRPr lang="en-US"/>
           </a:p>
@@ -1613,7 +1618,7 @@
           <a:p>
             <a:fld id="{4C946553-5052-4681-97F3-74C46FAC759A}" type="datetimeFigureOut">
               <a:rPr lang="en-US" smtClean="0"/>
-              <a:t>10/20/2017</a:t>
+              <a:t>10/23/17</a:t>
             </a:fld>
             <a:endParaRPr lang="en-US"/>
           </a:p>
@@ -1731,7 +1736,7 @@
           <a:p>
             <a:fld id="{4C946553-5052-4681-97F3-74C46FAC759A}" type="datetimeFigureOut">
               <a:rPr lang="en-US" smtClean="0"/>
-              <a:t>10/20/2017</a:t>
+              <a:t>10/23/17</a:t>
             </a:fld>
             <a:endParaRPr lang="en-US"/>
           </a:p>
@@ -1826,7 +1831,7 @@
           <a:p>
             <a:fld id="{4C946553-5052-4681-97F3-74C46FAC759A}" type="datetimeFigureOut">
               <a:rPr lang="en-US" smtClean="0"/>
-              <a:t>10/20/2017</a:t>
+              <a:t>10/23/17</a:t>
             </a:fld>
             <a:endParaRPr lang="en-US"/>
           </a:p>
@@ -2103,7 +2108,7 @@
           <a:p>
             <a:fld id="{4C946553-5052-4681-97F3-74C46FAC759A}" type="datetimeFigureOut">
               <a:rPr lang="en-US" smtClean="0"/>
-              <a:t>10/20/2017</a:t>
+              <a:t>10/23/17</a:t>
             </a:fld>
             <a:endParaRPr lang="en-US"/>
           </a:p>
@@ -2360,7 +2365,7 @@
           <a:p>
             <a:fld id="{4C946553-5052-4681-97F3-74C46FAC759A}" type="datetimeFigureOut">
               <a:rPr lang="en-US" smtClean="0"/>
-              <a:t>10/20/2017</a:t>
+              <a:t>10/23/17</a:t>
             </a:fld>
             <a:endParaRPr lang="en-US"/>
           </a:p>
@@ -2573,7 +2578,7 @@
           <a:p>
             <a:fld id="{4C946553-5052-4681-97F3-74C46FAC759A}" type="datetimeFigureOut">
               <a:rPr lang="en-US" smtClean="0"/>
-              <a:t>10/20/2017</a:t>
+              <a:t>10/23/17</a:t>
             </a:fld>
             <a:endParaRPr lang="en-US"/>
           </a:p>
@@ -2983,7 +2988,7 @@
           <p:cNvPr id="2" name="Title 1">
             <a:extLst>
               <a:ext uri="{FF2B5EF4-FFF2-40B4-BE49-F238E27FC236}">
-                <a16:creationId xmlns:a16="http://schemas.microsoft.com/office/drawing/2014/main" id="{A1DB0208-9186-4737-AE76-AD0524BA2894}"/>
+                <a16:creationId xmlns:a16="http://schemas.microsoft.com/office/drawing/2014/main" xmlns="" id="{A1DB0208-9186-4737-AE76-AD0524BA2894}"/>
               </a:ext>
             </a:extLst>
           </p:cNvPr>
@@ -3011,7 +3016,7 @@
           <p:cNvPr id="3" name="Subtitle 2">
             <a:extLst>
               <a:ext uri="{FF2B5EF4-FFF2-40B4-BE49-F238E27FC236}">
-                <a16:creationId xmlns:a16="http://schemas.microsoft.com/office/drawing/2014/main" id="{13184B18-918B-4549-95C7-B95373A8902F}"/>
+                <a16:creationId xmlns:a16="http://schemas.microsoft.com/office/drawing/2014/main" xmlns="" id="{13184B18-918B-4549-95C7-B95373A8902F}"/>
               </a:ext>
             </a:extLst>
           </p:cNvPr>
@@ -3097,7 +3102,7 @@
           <p:cNvPr id="2" name="Title 1">
             <a:extLst>
               <a:ext uri="{FF2B5EF4-FFF2-40B4-BE49-F238E27FC236}">
-                <a16:creationId xmlns:a16="http://schemas.microsoft.com/office/drawing/2014/main" id="{D9C3A129-EF42-41B9-9A2E-CB3F70B9BF98}"/>
+                <a16:creationId xmlns:a16="http://schemas.microsoft.com/office/drawing/2014/main" xmlns="" id="{D9C3A129-EF42-41B9-9A2E-CB3F70B9BF98}"/>
               </a:ext>
             </a:extLst>
           </p:cNvPr>
@@ -3125,7 +3130,7 @@
           <p:cNvPr id="4" name="Picture 3">
             <a:extLst>
               <a:ext uri="{FF2B5EF4-FFF2-40B4-BE49-F238E27FC236}">
-                <a16:creationId xmlns:a16="http://schemas.microsoft.com/office/drawing/2014/main" id="{DDF447F2-7E7F-44E5-828C-E87022B7CC27}"/>
+                <a16:creationId xmlns:a16="http://schemas.microsoft.com/office/drawing/2014/main" xmlns="" id="{DDF447F2-7E7F-44E5-828C-E87022B7CC27}"/>
               </a:ext>
             </a:extLst>
           </p:cNvPr>
@@ -3185,7 +3190,7 @@
           <p:cNvPr id="2" name="Title 1">
             <a:extLst>
               <a:ext uri="{FF2B5EF4-FFF2-40B4-BE49-F238E27FC236}">
-                <a16:creationId xmlns:a16="http://schemas.microsoft.com/office/drawing/2014/main" id="{D7F06F4C-7B87-4773-A113-323514AA93BC}"/>
+                <a16:creationId xmlns:a16="http://schemas.microsoft.com/office/drawing/2014/main" xmlns="" id="{D7F06F4C-7B87-4773-A113-323514AA93BC}"/>
               </a:ext>
             </a:extLst>
           </p:cNvPr>
@@ -3214,7 +3219,7 @@
           <p:cNvPr id="3" name="Content Placeholder 2">
             <a:extLst>
               <a:ext uri="{FF2B5EF4-FFF2-40B4-BE49-F238E27FC236}">
-                <a16:creationId xmlns:a16="http://schemas.microsoft.com/office/drawing/2014/main" id="{8E0E977D-8685-4BAB-A859-FA9E346C93E9}"/>
+                <a16:creationId xmlns:a16="http://schemas.microsoft.com/office/drawing/2014/main" xmlns="" id="{8E0E977D-8685-4BAB-A859-FA9E346C93E9}"/>
               </a:ext>
             </a:extLst>
           </p:cNvPr>
@@ -3227,8 +3232,8 @@
         </p:nvSpPr>
         <p:spPr>
           <a:xfrm>
-            <a:off x="838200" y="1825625"/>
-            <a:ext cx="10515600" cy="4351338"/>
+            <a:off x="838200" y="1337733"/>
+            <a:ext cx="10515600" cy="4839230"/>
           </a:xfrm>
         </p:spPr>
         <p:txBody>
@@ -3343,12 +3348,46 @@
               <a:t>.stop</a:t>
             </a:r>
             <a:r>
-              <a:rPr lang="en-US" b="1" dirty="0">
+              <a:rPr lang="en-US" b="1" dirty="0" smtClean="0">
                 <a:latin typeface="Courier New" panose="02070309020205020404" pitchFamily="49" charset="0"/>
                 <a:cs typeface="Courier New" panose="02070309020205020404" pitchFamily="49" charset="0"/>
               </a:rPr>
               <a:t>();</a:t>
             </a:r>
+          </a:p>
+          <a:p>
+            <a:r>
+              <a:rPr lang="en-US" dirty="0" err="1" smtClean="0">
+                <a:latin typeface="Courier New" panose="02070309020205020404" pitchFamily="49" charset="0"/>
+                <a:cs typeface="Courier New" panose="02070309020205020404" pitchFamily="49" charset="0"/>
+              </a:rPr>
+              <a:t>sound</a:t>
+            </a:r>
+            <a:r>
+              <a:rPr lang="en-US" b="1" dirty="0" err="1" smtClean="0">
+                <a:latin typeface="Courier New" panose="02070309020205020404" pitchFamily="49" charset="0"/>
+                <a:cs typeface="Courier New" panose="02070309020205020404" pitchFamily="49" charset="0"/>
+              </a:rPr>
+              <a:t>.isPlaying</a:t>
+            </a:r>
+            <a:r>
+              <a:rPr lang="en-US" b="1" dirty="0" smtClean="0">
+                <a:latin typeface="Courier New" panose="02070309020205020404" pitchFamily="49" charset="0"/>
+                <a:cs typeface="Courier New" panose="02070309020205020404" pitchFamily="49" charset="0"/>
+              </a:rPr>
+              <a:t>()</a:t>
+            </a:r>
+            <a:r>
+              <a:rPr lang="en-US" dirty="0" smtClean="0">
+                <a:latin typeface="Courier New" panose="02070309020205020404" pitchFamily="49" charset="0"/>
+                <a:cs typeface="Courier New" panose="02070309020205020404" pitchFamily="49" charset="0"/>
+              </a:rPr>
+              <a:t> // use with if</a:t>
+            </a:r>
+            <a:endParaRPr lang="en-US" dirty="0">
+              <a:latin typeface="Courier New" panose="02070309020205020404" pitchFamily="49" charset="0"/>
+              <a:cs typeface="Courier New" panose="02070309020205020404" pitchFamily="49" charset="0"/>
+            </a:endParaRPr>
           </a:p>
           <a:p>
             <a:r>
@@ -3431,7 +3470,7 @@
           <p:cNvPr id="6" name="Arc 5">
             <a:extLst>
               <a:ext uri="{FF2B5EF4-FFF2-40B4-BE49-F238E27FC236}">
-                <a16:creationId xmlns:a16="http://schemas.microsoft.com/office/drawing/2014/main" id="{DF9F48CB-F90C-4ADD-945F-527C481859E6}"/>
+                <a16:creationId xmlns:a16="http://schemas.microsoft.com/office/drawing/2014/main" xmlns="" id="{DF9F48CB-F90C-4ADD-945F-527C481859E6}"/>
               </a:ext>
             </a:extLst>
           </p:cNvPr>
@@ -3487,7 +3526,7 @@
           <p:cNvPr id="7" name="Arc 6">
             <a:extLst>
               <a:ext uri="{FF2B5EF4-FFF2-40B4-BE49-F238E27FC236}">
-                <a16:creationId xmlns:a16="http://schemas.microsoft.com/office/drawing/2014/main" id="{014F7AA5-A437-4B2D-8B9C-EF26A5918986}"/>
+                <a16:creationId xmlns:a16="http://schemas.microsoft.com/office/drawing/2014/main" xmlns="" id="{014F7AA5-A437-4B2D-8B9C-EF26A5918986}"/>
               </a:ext>
             </a:extLst>
           </p:cNvPr>
@@ -3543,7 +3582,7 @@
           <p:cNvPr id="8" name="TextBox 7">
             <a:extLst>
               <a:ext uri="{FF2B5EF4-FFF2-40B4-BE49-F238E27FC236}">
-                <a16:creationId xmlns:a16="http://schemas.microsoft.com/office/drawing/2014/main" id="{A7ED3B5A-0923-44A2-BB2A-E99F1BF97F0E}"/>
+                <a16:creationId xmlns:a16="http://schemas.microsoft.com/office/drawing/2014/main" xmlns="" id="{A7ED3B5A-0923-44A2-BB2A-E99F1BF97F0E}"/>
               </a:ext>
             </a:extLst>
           </p:cNvPr>
@@ -3578,7 +3617,7 @@
           <p:cNvPr id="9" name="TextBox 8">
             <a:extLst>
               <a:ext uri="{FF2B5EF4-FFF2-40B4-BE49-F238E27FC236}">
-                <a16:creationId xmlns:a16="http://schemas.microsoft.com/office/drawing/2014/main" id="{AE13B311-CA5A-4BA3-BBA5-F57ED593C22E}"/>
+                <a16:creationId xmlns:a16="http://schemas.microsoft.com/office/drawing/2014/main" xmlns="" id="{AE13B311-CA5A-4BA3-BBA5-F57ED593C22E}"/>
               </a:ext>
             </a:extLst>
           </p:cNvPr>
@@ -3613,7 +3652,7 @@
           <p:cNvPr id="10" name="TextBox 9">
             <a:extLst>
               <a:ext uri="{FF2B5EF4-FFF2-40B4-BE49-F238E27FC236}">
-                <a16:creationId xmlns:a16="http://schemas.microsoft.com/office/drawing/2014/main" id="{6372A214-7B68-4055-B67D-6587947114CB}"/>
+                <a16:creationId xmlns:a16="http://schemas.microsoft.com/office/drawing/2014/main" xmlns="" id="{6372A214-7B68-4055-B67D-6587947114CB}"/>
               </a:ext>
             </a:extLst>
           </p:cNvPr>
@@ -3678,7 +3717,7 @@
           <p:cNvPr id="2" name="Title 1">
             <a:extLst>
               <a:ext uri="{FF2B5EF4-FFF2-40B4-BE49-F238E27FC236}">
-                <a16:creationId xmlns:a16="http://schemas.microsoft.com/office/drawing/2014/main" id="{87338BDF-EAA3-45F3-9734-768ED2C2C50D}"/>
+                <a16:creationId xmlns:a16="http://schemas.microsoft.com/office/drawing/2014/main" xmlns="" id="{87338BDF-EAA3-45F3-9734-768ED2C2C50D}"/>
               </a:ext>
             </a:extLst>
           </p:cNvPr>
@@ -3706,7 +3745,7 @@
           <p:cNvPr id="4" name="Content Placeholder 3">
             <a:extLst>
               <a:ext uri="{FF2B5EF4-FFF2-40B4-BE49-F238E27FC236}">
-                <a16:creationId xmlns:a16="http://schemas.microsoft.com/office/drawing/2014/main" id="{18B78FC6-235C-4E5B-B0FE-91989B74C421}"/>
+                <a16:creationId xmlns:a16="http://schemas.microsoft.com/office/drawing/2014/main" xmlns="" id="{18B78FC6-235C-4E5B-B0FE-91989B74C421}"/>
               </a:ext>
             </a:extLst>
           </p:cNvPr>
@@ -3738,7 +3777,7 @@
           <p:cNvPr id="5" name="Arrow: Right 4">
             <a:extLst>
               <a:ext uri="{FF2B5EF4-FFF2-40B4-BE49-F238E27FC236}">
-                <a16:creationId xmlns:a16="http://schemas.microsoft.com/office/drawing/2014/main" id="{97828868-A263-4FAE-8E08-788D1A33DC53}"/>
+                <a16:creationId xmlns:a16="http://schemas.microsoft.com/office/drawing/2014/main" xmlns="" id="{97828868-A263-4FAE-8E08-788D1A33DC53}"/>
               </a:ext>
             </a:extLst>
           </p:cNvPr>
@@ -3797,7 +3836,7 @@
           <p:cNvPr id="6" name="Arrow: Right 5">
             <a:extLst>
               <a:ext uri="{FF2B5EF4-FFF2-40B4-BE49-F238E27FC236}">
-                <a16:creationId xmlns:a16="http://schemas.microsoft.com/office/drawing/2014/main" id="{13C67DFE-7AF6-45F3-BD48-BF033BC327BD}"/>
+                <a16:creationId xmlns:a16="http://schemas.microsoft.com/office/drawing/2014/main" xmlns="" id="{13C67DFE-7AF6-45F3-BD48-BF033BC327BD}"/>
               </a:ext>
             </a:extLst>
           </p:cNvPr>
@@ -3856,7 +3895,7 @@
           <p:cNvPr id="7" name="Arrow: Right 6">
             <a:extLst>
               <a:ext uri="{FF2B5EF4-FFF2-40B4-BE49-F238E27FC236}">
-                <a16:creationId xmlns:a16="http://schemas.microsoft.com/office/drawing/2014/main" id="{8A66BE77-CD3C-4C40-B195-29A378148C1B}"/>
+                <a16:creationId xmlns:a16="http://schemas.microsoft.com/office/drawing/2014/main" xmlns="" id="{8A66BE77-CD3C-4C40-B195-29A378148C1B}"/>
               </a:ext>
             </a:extLst>
           </p:cNvPr>
@@ -3945,7 +3984,7 @@
           <p:cNvPr id="2" name="Title 1">
             <a:extLst>
               <a:ext uri="{FF2B5EF4-FFF2-40B4-BE49-F238E27FC236}">
-                <a16:creationId xmlns:a16="http://schemas.microsoft.com/office/drawing/2014/main" id="{F85D299C-2D35-48AB-A380-918C5D4B2422}"/>
+                <a16:creationId xmlns:a16="http://schemas.microsoft.com/office/drawing/2014/main" xmlns="" id="{F85D299C-2D35-48AB-A380-918C5D4B2422}"/>
               </a:ext>
             </a:extLst>
           </p:cNvPr>
@@ -3973,7 +4012,7 @@
           <p:cNvPr id="3" name="Content Placeholder 2">
             <a:extLst>
               <a:ext uri="{FF2B5EF4-FFF2-40B4-BE49-F238E27FC236}">
-                <a16:creationId xmlns:a16="http://schemas.microsoft.com/office/drawing/2014/main" id="{BCD94606-8484-4EA3-A348-C04B7052C593}"/>
+                <a16:creationId xmlns:a16="http://schemas.microsoft.com/office/drawing/2014/main" xmlns="" id="{BCD94606-8484-4EA3-A348-C04B7052C593}"/>
               </a:ext>
             </a:extLst>
           </p:cNvPr>
@@ -4031,12 +4070,19 @@
               <a:rPr lang="en-US" b="1" dirty="0">
                 <a:hlinkClick r:id="rId2"/>
               </a:rPr>
-              <a:t>https://cdpn.io/NaJwgB</a:t>
-            </a:r>
-            <a:r>
-              <a:rPr lang="en-US" b="1" dirty="0"/>
+              <a:t>https://</a:t>
+            </a:r>
+            <a:r>
+              <a:rPr lang="en-US" b="1" dirty="0" smtClean="0">
+                <a:hlinkClick r:id="rId2"/>
+              </a:rPr>
+              <a:t>cdpn.io/e/NaJwgB</a:t>
+            </a:r>
+            <a:r>
+              <a:rPr lang="en-US" b="1" dirty="0" smtClean="0"/>
               <a:t> </a:t>
             </a:r>
+            <a:endParaRPr lang="en-US" b="1" dirty="0"/>
           </a:p>
           <a:p>
             <a:r>
@@ -4060,7 +4106,7 @@
           <p:cNvPr id="4" name="Picture 3">
             <a:extLst>
               <a:ext uri="{FF2B5EF4-FFF2-40B4-BE49-F238E27FC236}">
-                <a16:creationId xmlns:a16="http://schemas.microsoft.com/office/drawing/2014/main" id="{CE8D0A79-1D5B-42E8-AF1C-A559DAD6100F}"/>
+                <a16:creationId xmlns:a16="http://schemas.microsoft.com/office/drawing/2014/main" xmlns="" id="{CE8D0A79-1D5B-42E8-AF1C-A559DAD6100F}"/>
               </a:ext>
             </a:extLst>
           </p:cNvPr>
@@ -4090,7 +4136,7 @@
           <p:cNvPr id="6" name="Picture 5">
             <a:extLst>
               <a:ext uri="{FF2B5EF4-FFF2-40B4-BE49-F238E27FC236}">
-                <a16:creationId xmlns:a16="http://schemas.microsoft.com/office/drawing/2014/main" id="{7C9D8E25-D4AD-48D7-A868-33EE5F1BFE4E}"/>
+                <a16:creationId xmlns:a16="http://schemas.microsoft.com/office/drawing/2014/main" xmlns="" id="{7C9D8E25-D4AD-48D7-A868-33EE5F1BFE4E}"/>
               </a:ext>
             </a:extLst>
           </p:cNvPr>
@@ -4150,7 +4196,7 @@
           <p:cNvPr id="2" name="Title 1">
             <a:extLst>
               <a:ext uri="{FF2B5EF4-FFF2-40B4-BE49-F238E27FC236}">
-                <a16:creationId xmlns:a16="http://schemas.microsoft.com/office/drawing/2014/main" id="{D7F7402A-6E1E-4DF4-866A-9D07C8DD1A30}"/>
+                <a16:creationId xmlns:a16="http://schemas.microsoft.com/office/drawing/2014/main" xmlns="" id="{D7F7402A-6E1E-4DF4-866A-9D07C8DD1A30}"/>
               </a:ext>
             </a:extLst>
           </p:cNvPr>
@@ -4170,10 +4216,16 @@
               <a:rPr lang="en-US" b="1" dirty="0">
                 <a:hlinkClick r:id="rId2"/>
               </a:rPr>
-              <a:t>https://cdpn.io/NaJwgB</a:t>
-            </a:r>
-            <a:r>
-              <a:rPr lang="en-US" b="1" dirty="0"/>
+              <a:t>https://</a:t>
+            </a:r>
+            <a:r>
+              <a:rPr lang="en-US" b="1" dirty="0" smtClean="0">
+                <a:hlinkClick r:id="rId2"/>
+              </a:rPr>
+              <a:t>cdpn.io/e/NaJwgB</a:t>
+            </a:r>
+            <a:r>
+              <a:rPr lang="en-US" b="1" dirty="0" smtClean="0"/>
               <a:t> </a:t>
             </a:r>
             <a:endParaRPr lang="en-US" dirty="0"/>
@@ -4185,7 +4237,7 @@
           <p:cNvPr id="3" name="Text Placeholder 2">
             <a:extLst>
               <a:ext uri="{FF2B5EF4-FFF2-40B4-BE49-F238E27FC236}">
-                <a16:creationId xmlns:a16="http://schemas.microsoft.com/office/drawing/2014/main" id="{2AD5ECB0-F434-4B52-B572-40D2CE0A0954}"/>
+                <a16:creationId xmlns:a16="http://schemas.microsoft.com/office/drawing/2014/main" xmlns="" id="{2AD5ECB0-F434-4B52-B572-40D2CE0A0954}"/>
               </a:ext>
             </a:extLst>
           </p:cNvPr>
@@ -4243,7 +4295,7 @@
           <p:cNvPr id="2" name="Title 1">
             <a:extLst>
               <a:ext uri="{FF2B5EF4-FFF2-40B4-BE49-F238E27FC236}">
-                <a16:creationId xmlns:a16="http://schemas.microsoft.com/office/drawing/2014/main" id="{EEFEE907-01DD-4FF4-94EA-39728E646232}"/>
+                <a16:creationId xmlns:a16="http://schemas.microsoft.com/office/drawing/2014/main" xmlns="" id="{EEFEE907-01DD-4FF4-94EA-39728E646232}"/>
               </a:ext>
             </a:extLst>
           </p:cNvPr>
@@ -4271,7 +4323,7 @@
           <p:cNvPr id="3" name="Content Placeholder 2">
             <a:extLst>
               <a:ext uri="{FF2B5EF4-FFF2-40B4-BE49-F238E27FC236}">
-                <a16:creationId xmlns:a16="http://schemas.microsoft.com/office/drawing/2014/main" id="{ECA25214-071F-46C6-9A6E-61137726C658}"/>
+                <a16:creationId xmlns:a16="http://schemas.microsoft.com/office/drawing/2014/main" xmlns="" id="{ECA25214-071F-46C6-9A6E-61137726C658}"/>
               </a:ext>
             </a:extLst>
           </p:cNvPr>
@@ -4341,7 +4393,7 @@
           <p:cNvPr id="4" name="Picture 3">
             <a:extLst>
               <a:ext uri="{FF2B5EF4-FFF2-40B4-BE49-F238E27FC236}">
-                <a16:creationId xmlns:a16="http://schemas.microsoft.com/office/drawing/2014/main" id="{113F0E59-A1B9-4618-9776-AF2C07A7C671}"/>
+                <a16:creationId xmlns:a16="http://schemas.microsoft.com/office/drawing/2014/main" xmlns="" id="{113F0E59-A1B9-4618-9776-AF2C07A7C671}"/>
               </a:ext>
             </a:extLst>
           </p:cNvPr>
@@ -4400,7 +4452,7 @@
           <p:cNvPr id="4" name="Title 3">
             <a:extLst>
               <a:ext uri="{FF2B5EF4-FFF2-40B4-BE49-F238E27FC236}">
-                <a16:creationId xmlns:a16="http://schemas.microsoft.com/office/drawing/2014/main" id="{3EB25AE7-168D-4BCC-A2A8-C7BE91DD9166}"/>
+                <a16:creationId xmlns:a16="http://schemas.microsoft.com/office/drawing/2014/main" xmlns="" id="{3EB25AE7-168D-4BCC-A2A8-C7BE91DD9166}"/>
               </a:ext>
             </a:extLst>
           </p:cNvPr>
@@ -4428,7 +4480,7 @@
           <p:cNvPr id="5" name="Text Placeholder 4">
             <a:extLst>
               <a:ext uri="{FF2B5EF4-FFF2-40B4-BE49-F238E27FC236}">
-                <a16:creationId xmlns:a16="http://schemas.microsoft.com/office/drawing/2014/main" id="{F7DA5418-7BFB-4930-B929-919B317BF5D2}"/>
+                <a16:creationId xmlns:a16="http://schemas.microsoft.com/office/drawing/2014/main" xmlns="" id="{F7DA5418-7BFB-4930-B929-919B317BF5D2}"/>
               </a:ext>
             </a:extLst>
           </p:cNvPr>
@@ -4456,7 +4508,7 @@
           <p:cNvPr id="6" name="Content Placeholder 5">
             <a:extLst>
               <a:ext uri="{FF2B5EF4-FFF2-40B4-BE49-F238E27FC236}">
-                <a16:creationId xmlns:a16="http://schemas.microsoft.com/office/drawing/2014/main" id="{9DCF4303-6936-46F5-B13C-DB44A0F24EE9}"/>
+                <a16:creationId xmlns:a16="http://schemas.microsoft.com/office/drawing/2014/main" xmlns="" id="{9DCF4303-6936-46F5-B13C-DB44A0F24EE9}"/>
               </a:ext>
             </a:extLst>
           </p:cNvPr>
@@ -4504,7 +4556,7 @@
           <p:cNvPr id="7" name="Text Placeholder 6">
             <a:extLst>
               <a:ext uri="{FF2B5EF4-FFF2-40B4-BE49-F238E27FC236}">
-                <a16:creationId xmlns:a16="http://schemas.microsoft.com/office/drawing/2014/main" id="{1C91566D-B109-4074-A6E2-0FBC68C9AE4F}"/>
+                <a16:creationId xmlns:a16="http://schemas.microsoft.com/office/drawing/2014/main" xmlns="" id="{1C91566D-B109-4074-A6E2-0FBC68C9AE4F}"/>
               </a:ext>
             </a:extLst>
           </p:cNvPr>
@@ -4532,7 +4584,7 @@
           <p:cNvPr id="8" name="Content Placeholder 7">
             <a:extLst>
               <a:ext uri="{FF2B5EF4-FFF2-40B4-BE49-F238E27FC236}">
-                <a16:creationId xmlns:a16="http://schemas.microsoft.com/office/drawing/2014/main" id="{A1A3C7C4-FA22-4AD4-8D0F-FF8BCDF681B7}"/>
+                <a16:creationId xmlns:a16="http://schemas.microsoft.com/office/drawing/2014/main" xmlns="" id="{A1A3C7C4-FA22-4AD4-8D0F-FF8BCDF681B7}"/>
               </a:ext>
             </a:extLst>
           </p:cNvPr>
@@ -4601,7 +4653,7 @@
           <p:cNvPr id="2" name="Title 1">
             <a:extLst>
               <a:ext uri="{FF2B5EF4-FFF2-40B4-BE49-F238E27FC236}">
-                <a16:creationId xmlns:a16="http://schemas.microsoft.com/office/drawing/2014/main" id="{DDF6569A-700C-4446-A604-A6E86A3C2746}"/>
+                <a16:creationId xmlns:a16="http://schemas.microsoft.com/office/drawing/2014/main" xmlns="" id="{DDF6569A-700C-4446-A604-A6E86A3C2746}"/>
               </a:ext>
             </a:extLst>
           </p:cNvPr>
@@ -4629,7 +4681,7 @@
           <p:cNvPr id="4" name="Picture 3">
             <a:extLst>
               <a:ext uri="{FF2B5EF4-FFF2-40B4-BE49-F238E27FC236}">
-                <a16:creationId xmlns:a16="http://schemas.microsoft.com/office/drawing/2014/main" id="{519C92DD-3B8E-44FA-9B66-E5996E9A5187}"/>
+                <a16:creationId xmlns:a16="http://schemas.microsoft.com/office/drawing/2014/main" xmlns="" id="{519C92DD-3B8E-44FA-9B66-E5996E9A5187}"/>
               </a:ext>
             </a:extLst>
           </p:cNvPr>
@@ -4659,7 +4711,7 @@
           <p:cNvPr id="6" name="Picture 5">
             <a:extLst>
               <a:ext uri="{FF2B5EF4-FFF2-40B4-BE49-F238E27FC236}">
-                <a16:creationId xmlns:a16="http://schemas.microsoft.com/office/drawing/2014/main" id="{CDF80FB9-244A-4DA7-866A-5185A9022568}"/>
+                <a16:creationId xmlns:a16="http://schemas.microsoft.com/office/drawing/2014/main" xmlns="" id="{CDF80FB9-244A-4DA7-866A-5185A9022568}"/>
               </a:ext>
             </a:extLst>
           </p:cNvPr>
@@ -4719,7 +4771,7 @@
           <p:cNvPr id="6" name="Title 5">
             <a:extLst>
               <a:ext uri="{FF2B5EF4-FFF2-40B4-BE49-F238E27FC236}">
-                <a16:creationId xmlns:a16="http://schemas.microsoft.com/office/drawing/2014/main" id="{17B39280-5BC7-4D88-BD6C-05B4532C5ACE}"/>
+                <a16:creationId xmlns:a16="http://schemas.microsoft.com/office/drawing/2014/main" xmlns="" id="{17B39280-5BC7-4D88-BD6C-05B4532C5ACE}"/>
               </a:ext>
             </a:extLst>
           </p:cNvPr>
@@ -4747,7 +4799,7 @@
           <p:cNvPr id="7" name="Picture 6">
             <a:extLst>
               <a:ext uri="{FF2B5EF4-FFF2-40B4-BE49-F238E27FC236}">
-                <a16:creationId xmlns:a16="http://schemas.microsoft.com/office/drawing/2014/main" id="{7713ED28-7635-4734-B49B-FA7A308D1FF1}"/>
+                <a16:creationId xmlns:a16="http://schemas.microsoft.com/office/drawing/2014/main" xmlns="" id="{7713ED28-7635-4734-B49B-FA7A308D1FF1}"/>
               </a:ext>
             </a:extLst>
           </p:cNvPr>
@@ -4777,7 +4829,7 @@
           <p:cNvPr id="8" name="Picture 7">
             <a:extLst>
               <a:ext uri="{FF2B5EF4-FFF2-40B4-BE49-F238E27FC236}">
-                <a16:creationId xmlns:a16="http://schemas.microsoft.com/office/drawing/2014/main" id="{0ADF7E60-3E0C-4084-A49A-8DB86944A349}"/>
+                <a16:creationId xmlns:a16="http://schemas.microsoft.com/office/drawing/2014/main" xmlns="" id="{0ADF7E60-3E0C-4084-A49A-8DB86944A349}"/>
               </a:ext>
             </a:extLst>
           </p:cNvPr>
@@ -4806,7 +4858,7 @@
           <p:cNvPr id="2" name="Arrow: Right 1">
             <a:extLst>
               <a:ext uri="{FF2B5EF4-FFF2-40B4-BE49-F238E27FC236}">
-                <a16:creationId xmlns:a16="http://schemas.microsoft.com/office/drawing/2014/main" id="{992B844E-5529-4E43-BE1B-2894C4681251}"/>
+                <a16:creationId xmlns:a16="http://schemas.microsoft.com/office/drawing/2014/main" xmlns="" id="{992B844E-5529-4E43-BE1B-2894C4681251}"/>
               </a:ext>
             </a:extLst>
           </p:cNvPr>
@@ -4893,7 +4945,7 @@
           <p:cNvPr id="6" name="Title 5">
             <a:extLst>
               <a:ext uri="{FF2B5EF4-FFF2-40B4-BE49-F238E27FC236}">
-                <a16:creationId xmlns:a16="http://schemas.microsoft.com/office/drawing/2014/main" id="{17B39280-5BC7-4D88-BD6C-05B4532C5ACE}"/>
+                <a16:creationId xmlns:a16="http://schemas.microsoft.com/office/drawing/2014/main" xmlns="" id="{17B39280-5BC7-4D88-BD6C-05B4532C5ACE}"/>
               </a:ext>
             </a:extLst>
           </p:cNvPr>
@@ -4921,7 +4973,7 @@
           <p:cNvPr id="7" name="Picture 6">
             <a:extLst>
               <a:ext uri="{FF2B5EF4-FFF2-40B4-BE49-F238E27FC236}">
-                <a16:creationId xmlns:a16="http://schemas.microsoft.com/office/drawing/2014/main" id="{7713ED28-7635-4734-B49B-FA7A308D1FF1}"/>
+                <a16:creationId xmlns:a16="http://schemas.microsoft.com/office/drawing/2014/main" xmlns="" id="{7713ED28-7635-4734-B49B-FA7A308D1FF1}"/>
               </a:ext>
             </a:extLst>
           </p:cNvPr>
@@ -4951,7 +5003,7 @@
           <p:cNvPr id="10" name="Picture 9">
             <a:extLst>
               <a:ext uri="{FF2B5EF4-FFF2-40B4-BE49-F238E27FC236}">
-                <a16:creationId xmlns:a16="http://schemas.microsoft.com/office/drawing/2014/main" id="{4A4199F2-2472-48B9-9291-EEFE97581C18}"/>
+                <a16:creationId xmlns:a16="http://schemas.microsoft.com/office/drawing/2014/main" xmlns="" id="{4A4199F2-2472-48B9-9291-EEFE97581C18}"/>
               </a:ext>
             </a:extLst>
           </p:cNvPr>
@@ -4981,7 +5033,7 @@
           <p:cNvPr id="11" name="Picture 10">
             <a:extLst>
               <a:ext uri="{FF2B5EF4-FFF2-40B4-BE49-F238E27FC236}">
-                <a16:creationId xmlns:a16="http://schemas.microsoft.com/office/drawing/2014/main" id="{375E8219-F208-4617-A705-5233679843B6}"/>
+                <a16:creationId xmlns:a16="http://schemas.microsoft.com/office/drawing/2014/main" xmlns="" id="{375E8219-F208-4617-A705-5233679843B6}"/>
               </a:ext>
             </a:extLst>
           </p:cNvPr>
@@ -5011,7 +5063,7 @@
           <p:cNvPr id="12" name="Arrow: Right 11">
             <a:extLst>
               <a:ext uri="{FF2B5EF4-FFF2-40B4-BE49-F238E27FC236}">
-                <a16:creationId xmlns:a16="http://schemas.microsoft.com/office/drawing/2014/main" id="{EC7B3D3D-8940-47B4-956B-29798CEFE883}"/>
+                <a16:creationId xmlns:a16="http://schemas.microsoft.com/office/drawing/2014/main" xmlns="" id="{EC7B3D3D-8940-47B4-956B-29798CEFE883}"/>
               </a:ext>
             </a:extLst>
           </p:cNvPr>
